--- a/resources/images/raw/raw_combine.pptx
+++ b/resources/images/raw/raw_combine.pptx
@@ -10,6 +10,7 @@
     <p:sldId id="258" r:id="rId4"/>
     <p:sldId id="259" r:id="rId5"/>
     <p:sldId id="260" r:id="rId6"/>
+    <p:sldId id="261" r:id="rId7"/>
   </p:sldIdLst>
   <p:sldSz cx="12801600" cy="9601200" type="A3"/>
   <p:notesSz cx="6858000" cy="9144000"/>
@@ -108,6 +109,11 @@
       </a:defRPr>
     </a:lvl9pPr>
   </p:defaultTextStyle>
+  <p:extLst>
+    <p:ext uri="{EFAFB233-063F-42B5-8137-9DF3F51BA10A}">
+      <p15:sldGuideLst xmlns:p15="http://schemas.microsoft.com/office/powerpoint/2012/main"/>
+    </p:ext>
+  </p:extLst>
 </p:presentation>
 </file>
 
@@ -246,7 +252,7 @@
           <a:p>
             <a:fld id="{A75E0CCA-8F58-41D8-82A0-77F22E473C8B}" type="datetimeFigureOut">
               <a:rPr lang="zh-CN" altLang="en-US" smtClean="0"/>
-              <a:t>2018/1/6</a:t>
+              <a:t>2018/1/20</a:t>
             </a:fld>
             <a:endParaRPr lang="zh-CN" altLang="en-US"/>
           </a:p>
@@ -416,7 +422,7 @@
           <a:p>
             <a:fld id="{A75E0CCA-8F58-41D8-82A0-77F22E473C8B}" type="datetimeFigureOut">
               <a:rPr lang="zh-CN" altLang="en-US" smtClean="0"/>
-              <a:t>2018/1/6</a:t>
+              <a:t>2018/1/20</a:t>
             </a:fld>
             <a:endParaRPr lang="zh-CN" altLang="en-US"/>
           </a:p>
@@ -596,7 +602,7 @@
           <a:p>
             <a:fld id="{A75E0CCA-8F58-41D8-82A0-77F22E473C8B}" type="datetimeFigureOut">
               <a:rPr lang="zh-CN" altLang="en-US" smtClean="0"/>
-              <a:t>2018/1/6</a:t>
+              <a:t>2018/1/20</a:t>
             </a:fld>
             <a:endParaRPr lang="zh-CN" altLang="en-US"/>
           </a:p>
@@ -766,7 +772,7 @@
           <a:p>
             <a:fld id="{A75E0CCA-8F58-41D8-82A0-77F22E473C8B}" type="datetimeFigureOut">
               <a:rPr lang="zh-CN" altLang="en-US" smtClean="0"/>
-              <a:t>2018/1/6</a:t>
+              <a:t>2018/1/20</a:t>
             </a:fld>
             <a:endParaRPr lang="zh-CN" altLang="en-US"/>
           </a:p>
@@ -1010,7 +1016,7 @@
           <a:p>
             <a:fld id="{A75E0CCA-8F58-41D8-82A0-77F22E473C8B}" type="datetimeFigureOut">
               <a:rPr lang="zh-CN" altLang="en-US" smtClean="0"/>
-              <a:t>2018/1/6</a:t>
+              <a:t>2018/1/20</a:t>
             </a:fld>
             <a:endParaRPr lang="zh-CN" altLang="en-US"/>
           </a:p>
@@ -1242,7 +1248,7 @@
           <a:p>
             <a:fld id="{A75E0CCA-8F58-41D8-82A0-77F22E473C8B}" type="datetimeFigureOut">
               <a:rPr lang="zh-CN" altLang="en-US" smtClean="0"/>
-              <a:t>2018/1/6</a:t>
+              <a:t>2018/1/20</a:t>
             </a:fld>
             <a:endParaRPr lang="zh-CN" altLang="en-US"/>
           </a:p>
@@ -1609,7 +1615,7 @@
           <a:p>
             <a:fld id="{A75E0CCA-8F58-41D8-82A0-77F22E473C8B}" type="datetimeFigureOut">
               <a:rPr lang="zh-CN" altLang="en-US" smtClean="0"/>
-              <a:t>2018/1/6</a:t>
+              <a:t>2018/1/20</a:t>
             </a:fld>
             <a:endParaRPr lang="zh-CN" altLang="en-US"/>
           </a:p>
@@ -1727,7 +1733,7 @@
           <a:p>
             <a:fld id="{A75E0CCA-8F58-41D8-82A0-77F22E473C8B}" type="datetimeFigureOut">
               <a:rPr lang="zh-CN" altLang="en-US" smtClean="0"/>
-              <a:t>2018/1/6</a:t>
+              <a:t>2018/1/20</a:t>
             </a:fld>
             <a:endParaRPr lang="zh-CN" altLang="en-US"/>
           </a:p>
@@ -1822,7 +1828,7 @@
           <a:p>
             <a:fld id="{A75E0CCA-8F58-41D8-82A0-77F22E473C8B}" type="datetimeFigureOut">
               <a:rPr lang="zh-CN" altLang="en-US" smtClean="0"/>
-              <a:t>2018/1/6</a:t>
+              <a:t>2018/1/20</a:t>
             </a:fld>
             <a:endParaRPr lang="zh-CN" altLang="en-US"/>
           </a:p>
@@ -2099,7 +2105,7 @@
           <a:p>
             <a:fld id="{A75E0CCA-8F58-41D8-82A0-77F22E473C8B}" type="datetimeFigureOut">
               <a:rPr lang="zh-CN" altLang="en-US" smtClean="0"/>
-              <a:t>2018/1/6</a:t>
+              <a:t>2018/1/20</a:t>
             </a:fld>
             <a:endParaRPr lang="zh-CN" altLang="en-US"/>
           </a:p>
@@ -2356,7 +2362,7 @@
           <a:p>
             <a:fld id="{A75E0CCA-8F58-41D8-82A0-77F22E473C8B}" type="datetimeFigureOut">
               <a:rPr lang="zh-CN" altLang="en-US" smtClean="0"/>
-              <a:t>2018/1/6</a:t>
+              <a:t>2018/1/20</a:t>
             </a:fld>
             <a:endParaRPr lang="zh-CN" altLang="en-US"/>
           </a:p>
@@ -2569,7 +2575,7 @@
           <a:p>
             <a:fld id="{A75E0CCA-8F58-41D8-82A0-77F22E473C8B}" type="datetimeFigureOut">
               <a:rPr lang="zh-CN" altLang="en-US" smtClean="0"/>
-              <a:t>2018/1/6</a:t>
+              <a:t>2018/1/20</a:t>
             </a:fld>
             <a:endParaRPr lang="zh-CN" altLang="en-US"/>
           </a:p>
@@ -4453,8 +4459,8 @@
         </p:nvSpPr>
         <p:spPr>
           <a:xfrm>
-            <a:off x="2178714" y="1767840"/>
-            <a:ext cx="9573044" cy="6256258"/>
+            <a:off x="-647902" y="-1064050"/>
+            <a:ext cx="17869102" cy="13865650"/>
           </a:xfrm>
           <a:prstGeom prst="rect">
             <a:avLst/>
@@ -4498,10 +4504,711 @@
           </a:p>
         </p:txBody>
       </p:sp>
+      <p:pic>
+        <p:nvPicPr>
+          <p:cNvPr id="4" name="图片 3">
+            <a:extLst>
+              <a:ext uri="{FF2B5EF4-FFF2-40B4-BE49-F238E27FC236}">
+                <a16:creationId xmlns:a16="http://schemas.microsoft.com/office/drawing/2014/main" id="{D9F35E1C-66A7-445E-8160-0ABDB510FF63}"/>
+              </a:ext>
+            </a:extLst>
+          </p:cNvPr>
+          <p:cNvPicPr>
+            <a:picLocks noChangeAspect="1"/>
+          </p:cNvPicPr>
+          <p:nvPr/>
+        </p:nvPicPr>
+        <p:blipFill>
+          <a:blip r:embed="rId2">
+            <a:extLst>
+              <a:ext uri="{28A0092B-C50C-407E-A947-70E740481C1C}">
+                <a14:useLocalDpi xmlns:a14="http://schemas.microsoft.com/office/drawing/2010/main" val="0"/>
+              </a:ext>
+            </a:extLst>
+          </a:blip>
+          <a:stretch>
+            <a:fillRect/>
+          </a:stretch>
+        </p:blipFill>
+        <p:spPr>
+          <a:xfrm>
+            <a:off x="12240136" y="7467398"/>
+            <a:ext cx="3453819" cy="4400204"/>
+          </a:xfrm>
+          <a:prstGeom prst="rect">
+            <a:avLst/>
+          </a:prstGeom>
+        </p:spPr>
+      </p:pic>
+      <p:pic>
+        <p:nvPicPr>
+          <p:cNvPr id="6" name="图片 5">
+            <a:extLst>
+              <a:ext uri="{FF2B5EF4-FFF2-40B4-BE49-F238E27FC236}">
+                <a16:creationId xmlns:a16="http://schemas.microsoft.com/office/drawing/2014/main" id="{0D238C74-B9BD-44D9-B7B0-5E06A4F1CEE3}"/>
+              </a:ext>
+            </a:extLst>
+          </p:cNvPr>
+          <p:cNvPicPr>
+            <a:picLocks noChangeAspect="1"/>
+          </p:cNvPicPr>
+          <p:nvPr/>
+        </p:nvPicPr>
+        <p:blipFill>
+          <a:blip r:embed="rId3">
+            <a:extLst>
+              <a:ext uri="{28A0092B-C50C-407E-A947-70E740481C1C}">
+                <a14:useLocalDpi xmlns:a14="http://schemas.microsoft.com/office/drawing/2010/main" val="0"/>
+              </a:ext>
+            </a:extLst>
+          </a:blip>
+          <a:stretch>
+            <a:fillRect/>
+          </a:stretch>
+        </p:blipFill>
+        <p:spPr>
+          <a:xfrm>
+            <a:off x="-647902" y="-1064050"/>
+            <a:ext cx="3453819" cy="5670304"/>
+          </a:xfrm>
+          <a:prstGeom prst="rect">
+            <a:avLst/>
+          </a:prstGeom>
+        </p:spPr>
+      </p:pic>
+      <p:pic>
+        <p:nvPicPr>
+          <p:cNvPr id="8" name="图片 7">
+            <a:extLst>
+              <a:ext uri="{FF2B5EF4-FFF2-40B4-BE49-F238E27FC236}">
+                <a16:creationId xmlns:a16="http://schemas.microsoft.com/office/drawing/2014/main" id="{F683D425-E663-404C-9A40-476039336174}"/>
+              </a:ext>
+            </a:extLst>
+          </p:cNvPr>
+          <p:cNvPicPr>
+            <a:picLocks noChangeAspect="1"/>
+          </p:cNvPicPr>
+          <p:nvPr/>
+        </p:nvPicPr>
+        <p:blipFill>
+          <a:blip r:embed="rId4">
+            <a:extLst>
+              <a:ext uri="{28A0092B-C50C-407E-A947-70E740481C1C}">
+                <a14:useLocalDpi xmlns:a14="http://schemas.microsoft.com/office/drawing/2010/main" val="0"/>
+              </a:ext>
+            </a:extLst>
+          </a:blip>
+          <a:stretch>
+            <a:fillRect/>
+          </a:stretch>
+        </p:blipFill>
+        <p:spPr>
+          <a:xfrm>
+            <a:off x="-647902" y="6002952"/>
+            <a:ext cx="3604369" cy="5864650"/>
+          </a:xfrm>
+          <a:prstGeom prst="rect">
+            <a:avLst/>
+          </a:prstGeom>
+        </p:spPr>
+      </p:pic>
+      <p:pic>
+        <p:nvPicPr>
+          <p:cNvPr id="10" name="图片 9">
+            <a:extLst>
+              <a:ext uri="{FF2B5EF4-FFF2-40B4-BE49-F238E27FC236}">
+                <a16:creationId xmlns:a16="http://schemas.microsoft.com/office/drawing/2014/main" id="{8A62027C-8B6C-4D7B-B421-43A3480D7619}"/>
+              </a:ext>
+            </a:extLst>
+          </p:cNvPr>
+          <p:cNvPicPr>
+            <a:picLocks noChangeAspect="1"/>
+          </p:cNvPicPr>
+          <p:nvPr/>
+        </p:nvPicPr>
+        <p:blipFill>
+          <a:blip r:embed="rId5">
+            <a:extLst>
+              <a:ext uri="{28A0092B-C50C-407E-A947-70E740481C1C}">
+                <a14:useLocalDpi xmlns:a14="http://schemas.microsoft.com/office/drawing/2010/main" val="0"/>
+              </a:ext>
+            </a:extLst>
+          </a:blip>
+          <a:stretch>
+            <a:fillRect/>
+          </a:stretch>
+        </p:blipFill>
+        <p:spPr>
+          <a:xfrm>
+            <a:off x="3428742" y="6002952"/>
+            <a:ext cx="3785975" cy="5864650"/>
+          </a:xfrm>
+          <a:prstGeom prst="rect">
+            <a:avLst/>
+          </a:prstGeom>
+        </p:spPr>
+      </p:pic>
+      <p:pic>
+        <p:nvPicPr>
+          <p:cNvPr id="12" name="图片 11">
+            <a:extLst>
+              <a:ext uri="{FF2B5EF4-FFF2-40B4-BE49-F238E27FC236}">
+                <a16:creationId xmlns:a16="http://schemas.microsoft.com/office/drawing/2014/main" id="{29A15413-DCC1-408B-995B-EC0F22C94E5E}"/>
+              </a:ext>
+            </a:extLst>
+          </p:cNvPr>
+          <p:cNvPicPr>
+            <a:picLocks noChangeAspect="1"/>
+          </p:cNvPicPr>
+          <p:nvPr/>
+        </p:nvPicPr>
+        <p:blipFill>
+          <a:blip r:embed="rId6">
+            <a:extLst>
+              <a:ext uri="{28A0092B-C50C-407E-A947-70E740481C1C}">
+                <a14:useLocalDpi xmlns:a14="http://schemas.microsoft.com/office/drawing/2010/main" val="0"/>
+              </a:ext>
+            </a:extLst>
+          </a:blip>
+          <a:stretch>
+            <a:fillRect/>
+          </a:stretch>
+        </p:blipFill>
+        <p:spPr>
+          <a:xfrm>
+            <a:off x="7686992" y="6100125"/>
+            <a:ext cx="3829117" cy="5864650"/>
+          </a:xfrm>
+          <a:prstGeom prst="rect">
+            <a:avLst/>
+          </a:prstGeom>
+        </p:spPr>
+      </p:pic>
+      <p:pic>
+        <p:nvPicPr>
+          <p:cNvPr id="14" name="图片 13">
+            <a:extLst>
+              <a:ext uri="{FF2B5EF4-FFF2-40B4-BE49-F238E27FC236}">
+                <a16:creationId xmlns:a16="http://schemas.microsoft.com/office/drawing/2014/main" id="{2EB66AD1-1463-4900-8FB6-69DF52D46373}"/>
+              </a:ext>
+            </a:extLst>
+          </p:cNvPr>
+          <p:cNvPicPr>
+            <a:picLocks noChangeAspect="1"/>
+          </p:cNvPicPr>
+          <p:nvPr/>
+        </p:nvPicPr>
+        <p:blipFill>
+          <a:blip r:embed="rId7">
+            <a:extLst>
+              <a:ext uri="{28A0092B-C50C-407E-A947-70E740481C1C}">
+                <a14:useLocalDpi xmlns:a14="http://schemas.microsoft.com/office/drawing/2010/main" val="0"/>
+              </a:ext>
+            </a:extLst>
+          </a:blip>
+          <a:stretch>
+            <a:fillRect/>
+          </a:stretch>
+        </p:blipFill>
+        <p:spPr>
+          <a:xfrm>
+            <a:off x="12436865" y="-1064050"/>
+            <a:ext cx="4156388" cy="5670304"/>
+          </a:xfrm>
+          <a:prstGeom prst="rect">
+            <a:avLst/>
+          </a:prstGeom>
+        </p:spPr>
+      </p:pic>
+      <p:pic>
+        <p:nvPicPr>
+          <p:cNvPr id="16" name="图片 15">
+            <a:extLst>
+              <a:ext uri="{FF2B5EF4-FFF2-40B4-BE49-F238E27FC236}">
+                <a16:creationId xmlns:a16="http://schemas.microsoft.com/office/drawing/2014/main" id="{CB6E7DC9-BE8F-4B6F-A549-C2C4F45E125E}"/>
+              </a:ext>
+            </a:extLst>
+          </p:cNvPr>
+          <p:cNvPicPr>
+            <a:picLocks noChangeAspect="1"/>
+          </p:cNvPicPr>
+          <p:nvPr/>
+        </p:nvPicPr>
+        <p:blipFill>
+          <a:blip r:embed="rId8">
+            <a:extLst>
+              <a:ext uri="{28A0092B-C50C-407E-A947-70E740481C1C}">
+                <a14:useLocalDpi xmlns:a14="http://schemas.microsoft.com/office/drawing/2010/main" val="0"/>
+              </a:ext>
+            </a:extLst>
+          </a:blip>
+          <a:stretch>
+            <a:fillRect/>
+          </a:stretch>
+        </p:blipFill>
+        <p:spPr>
+          <a:xfrm>
+            <a:off x="7902412" y="-1064050"/>
+            <a:ext cx="3911628" cy="5670304"/>
+          </a:xfrm>
+          <a:prstGeom prst="rect">
+            <a:avLst/>
+          </a:prstGeom>
+        </p:spPr>
+      </p:pic>
+      <p:pic>
+        <p:nvPicPr>
+          <p:cNvPr id="18" name="图片 17">
+            <a:extLst>
+              <a:ext uri="{FF2B5EF4-FFF2-40B4-BE49-F238E27FC236}">
+                <a16:creationId xmlns:a16="http://schemas.microsoft.com/office/drawing/2014/main" id="{B515A8FE-A9A4-4917-BE02-91E2ADEABE8A}"/>
+              </a:ext>
+            </a:extLst>
+          </p:cNvPr>
+          <p:cNvPicPr>
+            <a:picLocks noChangeAspect="1"/>
+          </p:cNvPicPr>
+          <p:nvPr/>
+        </p:nvPicPr>
+        <p:blipFill>
+          <a:blip r:embed="rId9">
+            <a:extLst>
+              <a:ext uri="{28A0092B-C50C-407E-A947-70E740481C1C}">
+                <a14:useLocalDpi xmlns:a14="http://schemas.microsoft.com/office/drawing/2010/main" val="0"/>
+              </a:ext>
+            </a:extLst>
+          </a:blip>
+          <a:stretch>
+            <a:fillRect/>
+          </a:stretch>
+        </p:blipFill>
+        <p:spPr>
+          <a:xfrm>
+            <a:off x="3428742" y="-1064050"/>
+            <a:ext cx="3850845" cy="5670304"/>
+          </a:xfrm>
+          <a:prstGeom prst="rect">
+            <a:avLst/>
+          </a:prstGeom>
+        </p:spPr>
+      </p:pic>
     </p:spTree>
     <p:extLst>
       <p:ext uri="{BB962C8B-B14F-4D97-AF65-F5344CB8AC3E}">
         <p14:creationId xmlns:p14="http://schemas.microsoft.com/office/powerpoint/2010/main" val="1852830409"/>
+      </p:ext>
+    </p:extLst>
+  </p:cSld>
+  <p:clrMapOvr>
+    <a:masterClrMapping/>
+  </p:clrMapOvr>
+</p:sld>
+</file>
+
+<file path=ppt/slides/slide6.xml><?xml version="1.0" encoding="utf-8"?>
+<p:sld xmlns:a="http://schemas.openxmlformats.org/drawingml/2006/main" xmlns:r="http://schemas.openxmlformats.org/officeDocument/2006/relationships" xmlns:p="http://schemas.openxmlformats.org/presentationml/2006/main">
+  <p:cSld>
+    <p:spTree>
+      <p:nvGrpSpPr>
+        <p:cNvPr id="1" name=""/>
+        <p:cNvGrpSpPr/>
+        <p:nvPr/>
+      </p:nvGrpSpPr>
+      <p:grpSpPr>
+        <a:xfrm>
+          <a:off x="0" y="0"/>
+          <a:ext cx="0" cy="0"/>
+          <a:chOff x="0" y="0"/>
+          <a:chExt cx="0" cy="0"/>
+        </a:xfrm>
+      </p:grpSpPr>
+      <p:sp>
+        <p:nvSpPr>
+          <p:cNvPr id="13" name="矩形 12">
+            <a:extLst>
+              <a:ext uri="{FF2B5EF4-FFF2-40B4-BE49-F238E27FC236}">
+                <a16:creationId xmlns:a16="http://schemas.microsoft.com/office/drawing/2014/main" id="{09FA084E-DEFB-48A6-BBC9-9E7B930E2F8E}"/>
+              </a:ext>
+            </a:extLst>
+          </p:cNvPr>
+          <p:cNvSpPr/>
+          <p:nvPr/>
+        </p:nvSpPr>
+        <p:spPr>
+          <a:xfrm>
+            <a:off x="-647902" y="-1064050"/>
+            <a:ext cx="12763702" cy="9903250"/>
+          </a:xfrm>
+          <a:prstGeom prst="rect">
+            <a:avLst/>
+          </a:prstGeom>
+          <a:solidFill>
+            <a:schemeClr val="bg1"/>
+          </a:solidFill>
+          <a:ln>
+            <a:solidFill>
+              <a:schemeClr val="bg1"/>
+            </a:solidFill>
+          </a:ln>
+        </p:spPr>
+        <p:style>
+          <a:lnRef idx="2">
+            <a:schemeClr val="accent1">
+              <a:shade val="50000"/>
+            </a:schemeClr>
+          </a:lnRef>
+          <a:fillRef idx="1">
+            <a:schemeClr val="accent1"/>
+          </a:fillRef>
+          <a:effectRef idx="0">
+            <a:schemeClr val="accent1"/>
+          </a:effectRef>
+          <a:fontRef idx="minor">
+            <a:schemeClr val="lt1"/>
+          </a:fontRef>
+        </p:style>
+        <p:txBody>
+          <a:bodyPr rot="0" spcFirstLastPara="0" vertOverflow="overflow" horzOverflow="overflow" vert="horz" wrap="square" lIns="91440" tIns="45720" rIns="91440" bIns="45720" numCol="1" spcCol="0" rtlCol="0" fromWordArt="0" anchor="ctr" anchorCtr="0" forceAA="0" compatLnSpc="1">
+            <a:prstTxWarp prst="textNoShape">
+              <a:avLst/>
+            </a:prstTxWarp>
+            <a:noAutofit/>
+          </a:bodyPr>
+          <a:lstStyle/>
+          <a:p>
+            <a:pPr algn="ctr"/>
+            <a:endParaRPr lang="zh-CN" altLang="en-US" dirty="0"/>
+          </a:p>
+        </p:txBody>
+      </p:sp>
+      <p:pic>
+        <p:nvPicPr>
+          <p:cNvPr id="5" name="图片 4">
+            <a:extLst>
+              <a:ext uri="{FF2B5EF4-FFF2-40B4-BE49-F238E27FC236}">
+                <a16:creationId xmlns:a16="http://schemas.microsoft.com/office/drawing/2014/main" id="{3932F032-17B8-4FF0-A70C-2CE0A8D214EB}"/>
+              </a:ext>
+            </a:extLst>
+          </p:cNvPr>
+          <p:cNvPicPr>
+            <a:picLocks noChangeAspect="1"/>
+          </p:cNvPicPr>
+          <p:nvPr/>
+        </p:nvPicPr>
+        <p:blipFill>
+          <a:blip r:embed="rId2">
+            <a:extLst>
+              <a:ext uri="{28A0092B-C50C-407E-A947-70E740481C1C}">
+                <a14:useLocalDpi xmlns:a14="http://schemas.microsoft.com/office/drawing/2010/main" val="0"/>
+              </a:ext>
+            </a:extLst>
+          </a:blip>
+          <a:stretch>
+            <a:fillRect/>
+          </a:stretch>
+        </p:blipFill>
+        <p:spPr>
+          <a:xfrm>
+            <a:off x="-647903" y="-1036572"/>
+            <a:ext cx="3772227" cy="2911092"/>
+          </a:xfrm>
+          <a:prstGeom prst="rect">
+            <a:avLst/>
+          </a:prstGeom>
+        </p:spPr>
+      </p:pic>
+      <p:pic>
+        <p:nvPicPr>
+          <p:cNvPr id="17" name="图片 16">
+            <a:extLst>
+              <a:ext uri="{FF2B5EF4-FFF2-40B4-BE49-F238E27FC236}">
+                <a16:creationId xmlns:a16="http://schemas.microsoft.com/office/drawing/2014/main" id="{904575DB-1E61-4B72-A164-7D2094F8D5F1}"/>
+              </a:ext>
+            </a:extLst>
+          </p:cNvPr>
+          <p:cNvPicPr>
+            <a:picLocks noChangeAspect="1"/>
+          </p:cNvPicPr>
+          <p:nvPr/>
+        </p:nvPicPr>
+        <p:blipFill>
+          <a:blip r:embed="rId3">
+            <a:extLst>
+              <a:ext uri="{28A0092B-C50C-407E-A947-70E740481C1C}">
+                <a14:useLocalDpi xmlns:a14="http://schemas.microsoft.com/office/drawing/2010/main" val="0"/>
+              </a:ext>
+            </a:extLst>
+          </a:blip>
+          <a:stretch>
+            <a:fillRect/>
+          </a:stretch>
+        </p:blipFill>
+        <p:spPr>
+          <a:xfrm rot="21396147">
+            <a:off x="3181042" y="-264944"/>
+            <a:ext cx="3831579" cy="2027709"/>
+          </a:xfrm>
+          <a:prstGeom prst="rect">
+            <a:avLst/>
+          </a:prstGeom>
+        </p:spPr>
+      </p:pic>
+      <p:pic>
+        <p:nvPicPr>
+          <p:cNvPr id="20" name="图片 19">
+            <a:extLst>
+              <a:ext uri="{FF2B5EF4-FFF2-40B4-BE49-F238E27FC236}">
+                <a16:creationId xmlns:a16="http://schemas.microsoft.com/office/drawing/2014/main" id="{F2D5B0D0-4C2F-4F7A-A11A-4B14F0A4FC73}"/>
+              </a:ext>
+            </a:extLst>
+          </p:cNvPr>
+          <p:cNvPicPr>
+            <a:picLocks noChangeAspect="1"/>
+          </p:cNvPicPr>
+          <p:nvPr/>
+        </p:nvPicPr>
+        <p:blipFill>
+          <a:blip r:embed="rId4">
+            <a:extLst>
+              <a:ext uri="{28A0092B-C50C-407E-A947-70E740481C1C}">
+                <a14:useLocalDpi xmlns:a14="http://schemas.microsoft.com/office/drawing/2010/main" val="0"/>
+              </a:ext>
+            </a:extLst>
+          </a:blip>
+          <a:stretch>
+            <a:fillRect/>
+          </a:stretch>
+        </p:blipFill>
+        <p:spPr>
+          <a:xfrm>
+            <a:off x="7704768" y="2150822"/>
+            <a:ext cx="3819068" cy="2725977"/>
+          </a:xfrm>
+          <a:prstGeom prst="rect">
+            <a:avLst/>
+          </a:prstGeom>
+        </p:spPr>
+      </p:pic>
+      <p:pic>
+        <p:nvPicPr>
+          <p:cNvPr id="9" name="图片 8">
+            <a:extLst>
+              <a:ext uri="{FF2B5EF4-FFF2-40B4-BE49-F238E27FC236}">
+                <a16:creationId xmlns:a16="http://schemas.microsoft.com/office/drawing/2014/main" id="{DEBFC75F-F008-4CEC-881F-A67054AE8ADB}"/>
+              </a:ext>
+            </a:extLst>
+          </p:cNvPr>
+          <p:cNvPicPr>
+            <a:picLocks noChangeAspect="1"/>
+          </p:cNvPicPr>
+          <p:nvPr/>
+        </p:nvPicPr>
+        <p:blipFill>
+          <a:blip r:embed="rId5">
+            <a:extLst>
+              <a:ext uri="{28A0092B-C50C-407E-A947-70E740481C1C}">
+                <a14:useLocalDpi xmlns:a14="http://schemas.microsoft.com/office/drawing/2010/main" val="0"/>
+              </a:ext>
+            </a:extLst>
+          </a:blip>
+          <a:stretch>
+            <a:fillRect/>
+          </a:stretch>
+        </p:blipFill>
+        <p:spPr>
+          <a:xfrm>
+            <a:off x="3291537" y="2571237"/>
+            <a:ext cx="3819067" cy="2160967"/>
+          </a:xfrm>
+          <a:prstGeom prst="rect">
+            <a:avLst/>
+          </a:prstGeom>
+        </p:spPr>
+      </p:pic>
+      <p:pic>
+        <p:nvPicPr>
+          <p:cNvPr id="22" name="图片 21">
+            <a:extLst>
+              <a:ext uri="{FF2B5EF4-FFF2-40B4-BE49-F238E27FC236}">
+                <a16:creationId xmlns:a16="http://schemas.microsoft.com/office/drawing/2014/main" id="{89EBF478-0C72-4ECD-9E78-4254F1E4BC1F}"/>
+              </a:ext>
+            </a:extLst>
+          </p:cNvPr>
+          <p:cNvPicPr>
+            <a:picLocks noChangeAspect="1"/>
+          </p:cNvPicPr>
+          <p:nvPr/>
+        </p:nvPicPr>
+        <p:blipFill>
+          <a:blip r:embed="rId6">
+            <a:extLst>
+              <a:ext uri="{28A0092B-C50C-407E-A947-70E740481C1C}">
+                <a14:useLocalDpi xmlns:a14="http://schemas.microsoft.com/office/drawing/2010/main" val="0"/>
+              </a:ext>
+            </a:extLst>
+          </a:blip>
+          <a:stretch>
+            <a:fillRect/>
+          </a:stretch>
+        </p:blipFill>
+        <p:spPr>
+          <a:xfrm>
+            <a:off x="8019782" y="-376699"/>
+            <a:ext cx="3314987" cy="2248095"/>
+          </a:xfrm>
+          <a:prstGeom prst="rect">
+            <a:avLst/>
+          </a:prstGeom>
+        </p:spPr>
+      </p:pic>
+      <p:pic>
+        <p:nvPicPr>
+          <p:cNvPr id="24" name="图片 23">
+            <a:extLst>
+              <a:ext uri="{FF2B5EF4-FFF2-40B4-BE49-F238E27FC236}">
+                <a16:creationId xmlns:a16="http://schemas.microsoft.com/office/drawing/2014/main" id="{78AF214B-B403-458A-8ABA-B04F1B60C233}"/>
+              </a:ext>
+            </a:extLst>
+          </p:cNvPr>
+          <p:cNvPicPr>
+            <a:picLocks noChangeAspect="1"/>
+          </p:cNvPicPr>
+          <p:nvPr/>
+        </p:nvPicPr>
+        <p:blipFill>
+          <a:blip r:embed="rId7">
+            <a:extLst>
+              <a:ext uri="{28A0092B-C50C-407E-A947-70E740481C1C}">
+                <a14:useLocalDpi xmlns:a14="http://schemas.microsoft.com/office/drawing/2010/main" val="0"/>
+              </a:ext>
+            </a:extLst>
+          </a:blip>
+          <a:stretch>
+            <a:fillRect/>
+          </a:stretch>
+        </p:blipFill>
+        <p:spPr>
+          <a:xfrm>
+            <a:off x="7445971" y="7194073"/>
+            <a:ext cx="3436128" cy="728396"/>
+          </a:xfrm>
+          <a:prstGeom prst="rect">
+            <a:avLst/>
+          </a:prstGeom>
+        </p:spPr>
+      </p:pic>
+      <p:pic>
+        <p:nvPicPr>
+          <p:cNvPr id="26" name="图片 25">
+            <a:extLst>
+              <a:ext uri="{FF2B5EF4-FFF2-40B4-BE49-F238E27FC236}">
+                <a16:creationId xmlns:a16="http://schemas.microsoft.com/office/drawing/2014/main" id="{4CC287D6-8D90-4650-8CC4-324FC32F6D6C}"/>
+              </a:ext>
+            </a:extLst>
+          </p:cNvPr>
+          <p:cNvPicPr>
+            <a:picLocks noChangeAspect="1"/>
+          </p:cNvPicPr>
+          <p:nvPr/>
+        </p:nvPicPr>
+        <p:blipFill>
+          <a:blip r:embed="rId8">
+            <a:extLst>
+              <a:ext uri="{28A0092B-C50C-407E-A947-70E740481C1C}">
+                <a14:useLocalDpi xmlns:a14="http://schemas.microsoft.com/office/drawing/2010/main" val="0"/>
+              </a:ext>
+            </a:extLst>
+          </a:blip>
+          <a:stretch>
+            <a:fillRect/>
+          </a:stretch>
+        </p:blipFill>
+        <p:spPr>
+          <a:xfrm>
+            <a:off x="3337733" y="6438155"/>
+            <a:ext cx="3314987" cy="1514743"/>
+          </a:xfrm>
+          <a:prstGeom prst="rect">
+            <a:avLst/>
+          </a:prstGeom>
+        </p:spPr>
+      </p:pic>
+      <p:pic>
+        <p:nvPicPr>
+          <p:cNvPr id="28" name="图片 27">
+            <a:extLst>
+              <a:ext uri="{FF2B5EF4-FFF2-40B4-BE49-F238E27FC236}">
+                <a16:creationId xmlns:a16="http://schemas.microsoft.com/office/drawing/2014/main" id="{5542CC4B-58F6-4EFA-BA5D-365749435670}"/>
+              </a:ext>
+            </a:extLst>
+          </p:cNvPr>
+          <p:cNvPicPr>
+            <a:picLocks noChangeAspect="1"/>
+          </p:cNvPicPr>
+          <p:nvPr/>
+        </p:nvPicPr>
+        <p:blipFill>
+          <a:blip r:embed="rId9">
+            <a:extLst>
+              <a:ext uri="{28A0092B-C50C-407E-A947-70E740481C1C}">
+                <a14:useLocalDpi xmlns:a14="http://schemas.microsoft.com/office/drawing/2010/main" val="0"/>
+              </a:ext>
+            </a:extLst>
+          </a:blip>
+          <a:stretch>
+            <a:fillRect/>
+          </a:stretch>
+        </p:blipFill>
+        <p:spPr>
+          <a:xfrm>
+            <a:off x="-724227" y="2190237"/>
+            <a:ext cx="3436128" cy="2300277"/>
+          </a:xfrm>
+          <a:prstGeom prst="rect">
+            <a:avLst/>
+          </a:prstGeom>
+        </p:spPr>
+      </p:pic>
+      <p:pic>
+        <p:nvPicPr>
+          <p:cNvPr id="30" name="图片 29">
+            <a:extLst>
+              <a:ext uri="{FF2B5EF4-FFF2-40B4-BE49-F238E27FC236}">
+                <a16:creationId xmlns:a16="http://schemas.microsoft.com/office/drawing/2014/main" id="{693EDDCF-C9E8-4D20-B5C1-68756F483C4D}"/>
+              </a:ext>
+            </a:extLst>
+          </p:cNvPr>
+          <p:cNvPicPr>
+            <a:picLocks noChangeAspect="1"/>
+          </p:cNvPicPr>
+          <p:nvPr/>
+        </p:nvPicPr>
+        <p:blipFill>
+          <a:blip r:embed="rId10">
+            <a:extLst>
+              <a:ext uri="{28A0092B-C50C-407E-A947-70E740481C1C}">
+                <a14:useLocalDpi xmlns:a14="http://schemas.microsoft.com/office/drawing/2010/main" val="0"/>
+              </a:ext>
+            </a:extLst>
+          </a:blip>
+          <a:stretch>
+            <a:fillRect/>
+          </a:stretch>
+        </p:blipFill>
+        <p:spPr>
+          <a:xfrm>
+            <a:off x="-724227" y="5228050"/>
+            <a:ext cx="3314988" cy="2724848"/>
+          </a:xfrm>
+          <a:prstGeom prst="rect">
+            <a:avLst/>
+          </a:prstGeom>
+        </p:spPr>
+      </p:pic>
+    </p:spTree>
+    <p:extLst>
+      <p:ext uri="{BB962C8B-B14F-4D97-AF65-F5344CB8AC3E}">
+        <p14:creationId xmlns:p14="http://schemas.microsoft.com/office/powerpoint/2010/main" val="2105948996"/>
       </p:ext>
     </p:extLst>
   </p:cSld>

--- a/resources/images/raw/raw_combine.pptx
+++ b/resources/images/raw/raw_combine.pptx
@@ -3581,7 +3581,7 @@
         </p:blipFill>
         <p:spPr>
           <a:xfrm>
-            <a:off x="6192779" y="1303021"/>
+            <a:off x="6150584" y="1497347"/>
             <a:ext cx="4374259" cy="2240474"/>
           </a:xfrm>
           <a:prstGeom prst="rect">
@@ -3617,7 +3617,7 @@
         </p:blipFill>
         <p:spPr>
           <a:xfrm>
-            <a:off x="6272795" y="5486156"/>
+            <a:off x="6230602" y="5394708"/>
             <a:ext cx="4214225" cy="2911092"/>
           </a:xfrm>
           <a:prstGeom prst="rect">
@@ -3653,7 +3653,7 @@
         </p:blipFill>
         <p:spPr>
           <a:xfrm>
-            <a:off x="1515996" y="5341363"/>
+            <a:off x="1703122" y="5249915"/>
             <a:ext cx="4427604" cy="3055885"/>
           </a:xfrm>
           <a:prstGeom prst="rect">
@@ -3725,7 +3725,7 @@
         </p:blipFill>
         <p:spPr>
           <a:xfrm>
-            <a:off x="-8514656" y="5364225"/>
+            <a:off x="-8514656" y="5265156"/>
             <a:ext cx="4442845" cy="3033023"/>
           </a:xfrm>
           <a:prstGeom prst="rect">
